--- a/ppt 16-9/1182.天堂-美丽的.pptx
+++ b/ppt 16-9/1182.天堂-美丽的.pptx
@@ -5,7 +5,7 @@
     <p:sldMasterId id="2147483648" r:id="rId1"/>
   </p:sldMasterIdLst>
   <p:sldIdLst>
-    <p:sldId id="697" r:id="rId2"/>
+    <p:sldId id="699" r:id="rId2"/>
   </p:sldIdLst>
   <p:sldSz cx="12192000" cy="6858000"/>
   <p:notesSz cx="6858000" cy="9144000"/>
@@ -129,7 +129,7 @@
           <p:cNvPr id="2" name="标题 1">
             <a:extLst>
               <a:ext uri="{FF2B5EF4-FFF2-40B4-BE49-F238E27FC236}">
-                <a16:creationId xmlns:a16="http://schemas.microsoft.com/office/drawing/2014/main" id="{2361EE81-0882-F98A-8FC7-F1A1C251CB77}"/>
+                <a16:creationId xmlns:a16="http://schemas.microsoft.com/office/drawing/2014/main" id="{95DB67F1-6D8F-4363-38D6-9FCB935CA10E}"/>
               </a:ext>
             </a:extLst>
           </p:cNvPr>
@@ -166,7 +166,7 @@
           <p:cNvPr id="3" name="副标题 2">
             <a:extLst>
               <a:ext uri="{FF2B5EF4-FFF2-40B4-BE49-F238E27FC236}">
-                <a16:creationId xmlns:a16="http://schemas.microsoft.com/office/drawing/2014/main" id="{0723B61C-0344-FB80-A298-354E3435B2ED}"/>
+                <a16:creationId xmlns:a16="http://schemas.microsoft.com/office/drawing/2014/main" id="{24873AB7-7F53-B9D3-49EA-4CDAD87354F1}"/>
               </a:ext>
             </a:extLst>
           </p:cNvPr>
@@ -236,7 +236,7 @@
           <p:cNvPr id="4" name="日期占位符 3">
             <a:extLst>
               <a:ext uri="{FF2B5EF4-FFF2-40B4-BE49-F238E27FC236}">
-                <a16:creationId xmlns:a16="http://schemas.microsoft.com/office/drawing/2014/main" id="{DBDD8E06-56B5-7AD4-9CD9-A1D6ADCD2307}"/>
+                <a16:creationId xmlns:a16="http://schemas.microsoft.com/office/drawing/2014/main" id="{0D8759A1-0C33-2E9F-30A4-694BBF52314A}"/>
               </a:ext>
             </a:extLst>
           </p:cNvPr>
@@ -252,7 +252,7 @@
           <a:bodyPr/>
           <a:lstStyle/>
           <a:p>
-            <a:fld id="{6C45204B-F6F8-4AFD-9B7F-A9BF90211A28}" type="datetimeFigureOut">
+            <a:fld id="{2343996D-E61E-4912-AF8E-F720D06C1BE6}" type="datetimeFigureOut">
               <a:rPr lang="zh-CN" altLang="en-US" smtClean="0"/>
               <a:t>2024/3/10</a:t>
             </a:fld>
@@ -265,7 +265,7 @@
           <p:cNvPr id="5" name="页脚占位符 4">
             <a:extLst>
               <a:ext uri="{FF2B5EF4-FFF2-40B4-BE49-F238E27FC236}">
-                <a16:creationId xmlns:a16="http://schemas.microsoft.com/office/drawing/2014/main" id="{97F4FCBE-7867-A66E-2D87-AD9BFA7337C5}"/>
+                <a16:creationId xmlns:a16="http://schemas.microsoft.com/office/drawing/2014/main" id="{BE983C6B-34C0-7DDC-3D25-025EED375B03}"/>
               </a:ext>
             </a:extLst>
           </p:cNvPr>
@@ -290,7 +290,7 @@
           <p:cNvPr id="6" name="灯片编号占位符 5">
             <a:extLst>
               <a:ext uri="{FF2B5EF4-FFF2-40B4-BE49-F238E27FC236}">
-                <a16:creationId xmlns:a16="http://schemas.microsoft.com/office/drawing/2014/main" id="{6F06B40E-4ED1-BDA8-724C-EF4DABCE4E2C}"/>
+                <a16:creationId xmlns:a16="http://schemas.microsoft.com/office/drawing/2014/main" id="{CA2144E4-24DC-B1B0-5B6B-1345C2F51CE4}"/>
               </a:ext>
             </a:extLst>
           </p:cNvPr>
@@ -306,7 +306,7 @@
           <a:bodyPr/>
           <a:lstStyle/>
           <a:p>
-            <a:fld id="{E4AB64BA-A1D3-4C15-9513-FB8E919ED4DC}" type="slidenum">
+            <a:fld id="{D6E79394-8F86-4F9E-95AF-DC88B52ACBE1}" type="slidenum">
               <a:rPr lang="zh-CN" altLang="en-US" smtClean="0"/>
               <a:t>‹#›</a:t>
             </a:fld>
@@ -317,7 +317,7 @@
     </p:spTree>
     <p:extLst>
       <p:ext uri="{BB962C8B-B14F-4D97-AF65-F5344CB8AC3E}">
-        <p14:creationId xmlns:p14="http://schemas.microsoft.com/office/powerpoint/2010/main" val="2622918370"/>
+        <p14:creationId xmlns:p14="http://schemas.microsoft.com/office/powerpoint/2010/main" val="3222641919"/>
       </p:ext>
     </p:extLst>
   </p:cSld>
@@ -349,7 +349,7 @@
           <p:cNvPr id="2" name="标题 1">
             <a:extLst>
               <a:ext uri="{FF2B5EF4-FFF2-40B4-BE49-F238E27FC236}">
-                <a16:creationId xmlns:a16="http://schemas.microsoft.com/office/drawing/2014/main" id="{8DF36C99-D238-EB0A-EF5D-724CCB223EBA}"/>
+                <a16:creationId xmlns:a16="http://schemas.microsoft.com/office/drawing/2014/main" id="{53EDA9C1-E500-7206-E0F7-57C7A47613CE}"/>
               </a:ext>
             </a:extLst>
           </p:cNvPr>
@@ -377,7 +377,7 @@
           <p:cNvPr id="3" name="竖排文字占位符 2">
             <a:extLst>
               <a:ext uri="{FF2B5EF4-FFF2-40B4-BE49-F238E27FC236}">
-                <a16:creationId xmlns:a16="http://schemas.microsoft.com/office/drawing/2014/main" id="{906871BC-71E6-B101-4C87-45CC6BE0365D}"/>
+                <a16:creationId xmlns:a16="http://schemas.microsoft.com/office/drawing/2014/main" id="{9E0968A9-E5FA-3CBC-6BCF-639F4739A252}"/>
               </a:ext>
             </a:extLst>
           </p:cNvPr>
@@ -434,7 +434,7 @@
           <p:cNvPr id="4" name="日期占位符 3">
             <a:extLst>
               <a:ext uri="{FF2B5EF4-FFF2-40B4-BE49-F238E27FC236}">
-                <a16:creationId xmlns:a16="http://schemas.microsoft.com/office/drawing/2014/main" id="{0B0467F5-D87D-794D-6739-1B62065BA5B5}"/>
+                <a16:creationId xmlns:a16="http://schemas.microsoft.com/office/drawing/2014/main" id="{C1D1E4C6-2673-7351-7147-18C6C2898587}"/>
               </a:ext>
             </a:extLst>
           </p:cNvPr>
@@ -450,7 +450,7 @@
           <a:bodyPr/>
           <a:lstStyle/>
           <a:p>
-            <a:fld id="{6C45204B-F6F8-4AFD-9B7F-A9BF90211A28}" type="datetimeFigureOut">
+            <a:fld id="{2343996D-E61E-4912-AF8E-F720D06C1BE6}" type="datetimeFigureOut">
               <a:rPr lang="zh-CN" altLang="en-US" smtClean="0"/>
               <a:t>2024/3/10</a:t>
             </a:fld>
@@ -463,7 +463,7 @@
           <p:cNvPr id="5" name="页脚占位符 4">
             <a:extLst>
               <a:ext uri="{FF2B5EF4-FFF2-40B4-BE49-F238E27FC236}">
-                <a16:creationId xmlns:a16="http://schemas.microsoft.com/office/drawing/2014/main" id="{A8A53DBB-C082-D861-EFDA-F50605288EE3}"/>
+                <a16:creationId xmlns:a16="http://schemas.microsoft.com/office/drawing/2014/main" id="{63259FE2-379C-0903-EA99-AFB9DB772BE4}"/>
               </a:ext>
             </a:extLst>
           </p:cNvPr>
@@ -488,7 +488,7 @@
           <p:cNvPr id="6" name="灯片编号占位符 5">
             <a:extLst>
               <a:ext uri="{FF2B5EF4-FFF2-40B4-BE49-F238E27FC236}">
-                <a16:creationId xmlns:a16="http://schemas.microsoft.com/office/drawing/2014/main" id="{AB1FD2C9-E660-7D69-DF00-E5D7E5F6020D}"/>
+                <a16:creationId xmlns:a16="http://schemas.microsoft.com/office/drawing/2014/main" id="{D66CBD9D-D3A3-6997-4BFA-B9EC886903DE}"/>
               </a:ext>
             </a:extLst>
           </p:cNvPr>
@@ -504,7 +504,7 @@
           <a:bodyPr/>
           <a:lstStyle/>
           <a:p>
-            <a:fld id="{E4AB64BA-A1D3-4C15-9513-FB8E919ED4DC}" type="slidenum">
+            <a:fld id="{D6E79394-8F86-4F9E-95AF-DC88B52ACBE1}" type="slidenum">
               <a:rPr lang="zh-CN" altLang="en-US" smtClean="0"/>
               <a:t>‹#›</a:t>
             </a:fld>
@@ -515,7 +515,7 @@
     </p:spTree>
     <p:extLst>
       <p:ext uri="{BB962C8B-B14F-4D97-AF65-F5344CB8AC3E}">
-        <p14:creationId xmlns:p14="http://schemas.microsoft.com/office/powerpoint/2010/main" val="2945258037"/>
+        <p14:creationId xmlns:p14="http://schemas.microsoft.com/office/powerpoint/2010/main" val="1694504574"/>
       </p:ext>
     </p:extLst>
   </p:cSld>
@@ -547,7 +547,7 @@
           <p:cNvPr id="2" name="竖排标题 1">
             <a:extLst>
               <a:ext uri="{FF2B5EF4-FFF2-40B4-BE49-F238E27FC236}">
-                <a16:creationId xmlns:a16="http://schemas.microsoft.com/office/drawing/2014/main" id="{F571E921-39BB-163C-AC8E-D9CA81403807}"/>
+                <a16:creationId xmlns:a16="http://schemas.microsoft.com/office/drawing/2014/main" id="{9A6FD6B2-2946-5629-DBB6-300D457EA171}"/>
               </a:ext>
             </a:extLst>
           </p:cNvPr>
@@ -580,7 +580,7 @@
           <p:cNvPr id="3" name="竖排文字占位符 2">
             <a:extLst>
               <a:ext uri="{FF2B5EF4-FFF2-40B4-BE49-F238E27FC236}">
-                <a16:creationId xmlns:a16="http://schemas.microsoft.com/office/drawing/2014/main" id="{9BC1A909-E23C-0208-2B15-130F9565FF7D}"/>
+                <a16:creationId xmlns:a16="http://schemas.microsoft.com/office/drawing/2014/main" id="{4C62E183-309C-CCBC-17BF-B0806065AC15}"/>
               </a:ext>
             </a:extLst>
           </p:cNvPr>
@@ -642,7 +642,7 @@
           <p:cNvPr id="4" name="日期占位符 3">
             <a:extLst>
               <a:ext uri="{FF2B5EF4-FFF2-40B4-BE49-F238E27FC236}">
-                <a16:creationId xmlns:a16="http://schemas.microsoft.com/office/drawing/2014/main" id="{B3FD8864-6C45-755E-6175-7BD163A32A2B}"/>
+                <a16:creationId xmlns:a16="http://schemas.microsoft.com/office/drawing/2014/main" id="{00CB1ABD-122B-F39E-C777-7B892177C9A4}"/>
               </a:ext>
             </a:extLst>
           </p:cNvPr>
@@ -658,7 +658,7 @@
           <a:bodyPr/>
           <a:lstStyle/>
           <a:p>
-            <a:fld id="{6C45204B-F6F8-4AFD-9B7F-A9BF90211A28}" type="datetimeFigureOut">
+            <a:fld id="{2343996D-E61E-4912-AF8E-F720D06C1BE6}" type="datetimeFigureOut">
               <a:rPr lang="zh-CN" altLang="en-US" smtClean="0"/>
               <a:t>2024/3/10</a:t>
             </a:fld>
@@ -671,7 +671,7 @@
           <p:cNvPr id="5" name="页脚占位符 4">
             <a:extLst>
               <a:ext uri="{FF2B5EF4-FFF2-40B4-BE49-F238E27FC236}">
-                <a16:creationId xmlns:a16="http://schemas.microsoft.com/office/drawing/2014/main" id="{E2F93BFE-E00C-F0D5-0980-BAEA911E87A0}"/>
+                <a16:creationId xmlns:a16="http://schemas.microsoft.com/office/drawing/2014/main" id="{A0A089FB-3C7D-407B-C4F9-2B9C3F9CEA5C}"/>
               </a:ext>
             </a:extLst>
           </p:cNvPr>
@@ -696,7 +696,7 @@
           <p:cNvPr id="6" name="灯片编号占位符 5">
             <a:extLst>
               <a:ext uri="{FF2B5EF4-FFF2-40B4-BE49-F238E27FC236}">
-                <a16:creationId xmlns:a16="http://schemas.microsoft.com/office/drawing/2014/main" id="{B1189267-FE06-6A7A-C942-5BC860D762C1}"/>
+                <a16:creationId xmlns:a16="http://schemas.microsoft.com/office/drawing/2014/main" id="{D8814911-CD89-F5B8-0DE7-B05EA7703841}"/>
               </a:ext>
             </a:extLst>
           </p:cNvPr>
@@ -712,7 +712,7 @@
           <a:bodyPr/>
           <a:lstStyle/>
           <a:p>
-            <a:fld id="{E4AB64BA-A1D3-4C15-9513-FB8E919ED4DC}" type="slidenum">
+            <a:fld id="{D6E79394-8F86-4F9E-95AF-DC88B52ACBE1}" type="slidenum">
               <a:rPr lang="zh-CN" altLang="en-US" smtClean="0"/>
               <a:t>‹#›</a:t>
             </a:fld>
@@ -723,7 +723,7 @@
     </p:spTree>
     <p:extLst>
       <p:ext uri="{BB962C8B-B14F-4D97-AF65-F5344CB8AC3E}">
-        <p14:creationId xmlns:p14="http://schemas.microsoft.com/office/powerpoint/2010/main" val="4257428838"/>
+        <p14:creationId xmlns:p14="http://schemas.microsoft.com/office/powerpoint/2010/main" val="2653132736"/>
       </p:ext>
     </p:extLst>
   </p:cSld>
@@ -755,7 +755,7 @@
           <p:cNvPr id="2" name="标题 1">
             <a:extLst>
               <a:ext uri="{FF2B5EF4-FFF2-40B4-BE49-F238E27FC236}">
-                <a16:creationId xmlns:a16="http://schemas.microsoft.com/office/drawing/2014/main" id="{7EDD74BB-162A-F904-B364-C3815F74DF98}"/>
+                <a16:creationId xmlns:a16="http://schemas.microsoft.com/office/drawing/2014/main" id="{C56B44E4-3810-8685-4973-8034364441AB}"/>
               </a:ext>
             </a:extLst>
           </p:cNvPr>
@@ -783,7 +783,7 @@
           <p:cNvPr id="3" name="内容占位符 2">
             <a:extLst>
               <a:ext uri="{FF2B5EF4-FFF2-40B4-BE49-F238E27FC236}">
-                <a16:creationId xmlns:a16="http://schemas.microsoft.com/office/drawing/2014/main" id="{83C6CB75-6A9F-D8FA-04D3-25E7C53E19BE}"/>
+                <a16:creationId xmlns:a16="http://schemas.microsoft.com/office/drawing/2014/main" id="{E0246A3F-344A-8DAC-4CF1-3E9A06717F95}"/>
               </a:ext>
             </a:extLst>
           </p:cNvPr>
@@ -840,7 +840,7 @@
           <p:cNvPr id="4" name="日期占位符 3">
             <a:extLst>
               <a:ext uri="{FF2B5EF4-FFF2-40B4-BE49-F238E27FC236}">
-                <a16:creationId xmlns:a16="http://schemas.microsoft.com/office/drawing/2014/main" id="{AF0E28F2-23C1-7693-759E-D837D356FE3D}"/>
+                <a16:creationId xmlns:a16="http://schemas.microsoft.com/office/drawing/2014/main" id="{C3935472-64FD-4782-0396-0E179C04825B}"/>
               </a:ext>
             </a:extLst>
           </p:cNvPr>
@@ -856,7 +856,7 @@
           <a:bodyPr/>
           <a:lstStyle/>
           <a:p>
-            <a:fld id="{6C45204B-F6F8-4AFD-9B7F-A9BF90211A28}" type="datetimeFigureOut">
+            <a:fld id="{2343996D-E61E-4912-AF8E-F720D06C1BE6}" type="datetimeFigureOut">
               <a:rPr lang="zh-CN" altLang="en-US" smtClean="0"/>
               <a:t>2024/3/10</a:t>
             </a:fld>
@@ -869,7 +869,7 @@
           <p:cNvPr id="5" name="页脚占位符 4">
             <a:extLst>
               <a:ext uri="{FF2B5EF4-FFF2-40B4-BE49-F238E27FC236}">
-                <a16:creationId xmlns:a16="http://schemas.microsoft.com/office/drawing/2014/main" id="{26E3A373-0936-D785-34E4-85BD1B7F50AA}"/>
+                <a16:creationId xmlns:a16="http://schemas.microsoft.com/office/drawing/2014/main" id="{98BCC115-4A43-04F2-76CE-25D807624820}"/>
               </a:ext>
             </a:extLst>
           </p:cNvPr>
@@ -894,7 +894,7 @@
           <p:cNvPr id="6" name="灯片编号占位符 5">
             <a:extLst>
               <a:ext uri="{FF2B5EF4-FFF2-40B4-BE49-F238E27FC236}">
-                <a16:creationId xmlns:a16="http://schemas.microsoft.com/office/drawing/2014/main" id="{14BD484B-F094-5682-370F-023768E8152A}"/>
+                <a16:creationId xmlns:a16="http://schemas.microsoft.com/office/drawing/2014/main" id="{1B079104-E83F-8665-A2F9-DACF6BE2D2D9}"/>
               </a:ext>
             </a:extLst>
           </p:cNvPr>
@@ -910,7 +910,7 @@
           <a:bodyPr/>
           <a:lstStyle/>
           <a:p>
-            <a:fld id="{E4AB64BA-A1D3-4C15-9513-FB8E919ED4DC}" type="slidenum">
+            <a:fld id="{D6E79394-8F86-4F9E-95AF-DC88B52ACBE1}" type="slidenum">
               <a:rPr lang="zh-CN" altLang="en-US" smtClean="0"/>
               <a:t>‹#›</a:t>
             </a:fld>
@@ -921,7 +921,7 @@
     </p:spTree>
     <p:extLst>
       <p:ext uri="{BB962C8B-B14F-4D97-AF65-F5344CB8AC3E}">
-        <p14:creationId xmlns:p14="http://schemas.microsoft.com/office/powerpoint/2010/main" val="3425685679"/>
+        <p14:creationId xmlns:p14="http://schemas.microsoft.com/office/powerpoint/2010/main" val="3171580239"/>
       </p:ext>
     </p:extLst>
   </p:cSld>
@@ -953,7 +953,7 @@
           <p:cNvPr id="2" name="标题 1">
             <a:extLst>
               <a:ext uri="{FF2B5EF4-FFF2-40B4-BE49-F238E27FC236}">
-                <a16:creationId xmlns:a16="http://schemas.microsoft.com/office/drawing/2014/main" id="{432A5062-3ACB-48B9-EFA0-49EF7CC95890}"/>
+                <a16:creationId xmlns:a16="http://schemas.microsoft.com/office/drawing/2014/main" id="{72B24FBC-8B94-184F-6A30-8C9F9D79B9C0}"/>
               </a:ext>
             </a:extLst>
           </p:cNvPr>
@@ -990,7 +990,7 @@
           <p:cNvPr id="3" name="文本占位符 2">
             <a:extLst>
               <a:ext uri="{FF2B5EF4-FFF2-40B4-BE49-F238E27FC236}">
-                <a16:creationId xmlns:a16="http://schemas.microsoft.com/office/drawing/2014/main" id="{45B24260-2E74-C704-2501-344692BB0CDD}"/>
+                <a16:creationId xmlns:a16="http://schemas.microsoft.com/office/drawing/2014/main" id="{B6687FBD-B765-AE80-77A7-7B57AA793952}"/>
               </a:ext>
             </a:extLst>
           </p:cNvPr>
@@ -1115,7 +1115,7 @@
           <p:cNvPr id="4" name="日期占位符 3">
             <a:extLst>
               <a:ext uri="{FF2B5EF4-FFF2-40B4-BE49-F238E27FC236}">
-                <a16:creationId xmlns:a16="http://schemas.microsoft.com/office/drawing/2014/main" id="{B4912943-B4EC-240D-A281-17892DEDED65}"/>
+                <a16:creationId xmlns:a16="http://schemas.microsoft.com/office/drawing/2014/main" id="{59F46885-D113-C8A8-7CEA-E5D5D2015733}"/>
               </a:ext>
             </a:extLst>
           </p:cNvPr>
@@ -1131,7 +1131,7 @@
           <a:bodyPr/>
           <a:lstStyle/>
           <a:p>
-            <a:fld id="{6C45204B-F6F8-4AFD-9B7F-A9BF90211A28}" type="datetimeFigureOut">
+            <a:fld id="{2343996D-E61E-4912-AF8E-F720D06C1BE6}" type="datetimeFigureOut">
               <a:rPr lang="zh-CN" altLang="en-US" smtClean="0"/>
               <a:t>2024/3/10</a:t>
             </a:fld>
@@ -1144,7 +1144,7 @@
           <p:cNvPr id="5" name="页脚占位符 4">
             <a:extLst>
               <a:ext uri="{FF2B5EF4-FFF2-40B4-BE49-F238E27FC236}">
-                <a16:creationId xmlns:a16="http://schemas.microsoft.com/office/drawing/2014/main" id="{05B5D4E3-0786-73E6-9F9E-E5E0B37132CE}"/>
+                <a16:creationId xmlns:a16="http://schemas.microsoft.com/office/drawing/2014/main" id="{4EA2A795-7DD4-41B2-6D1D-9B894F79C08F}"/>
               </a:ext>
             </a:extLst>
           </p:cNvPr>
@@ -1169,7 +1169,7 @@
           <p:cNvPr id="6" name="灯片编号占位符 5">
             <a:extLst>
               <a:ext uri="{FF2B5EF4-FFF2-40B4-BE49-F238E27FC236}">
-                <a16:creationId xmlns:a16="http://schemas.microsoft.com/office/drawing/2014/main" id="{009E8F02-948C-5D78-1AA9-6DEF90E488E0}"/>
+                <a16:creationId xmlns:a16="http://schemas.microsoft.com/office/drawing/2014/main" id="{923A4E38-9DF4-35E9-1FE7-C7C220D92B12}"/>
               </a:ext>
             </a:extLst>
           </p:cNvPr>
@@ -1185,7 +1185,7 @@
           <a:bodyPr/>
           <a:lstStyle/>
           <a:p>
-            <a:fld id="{E4AB64BA-A1D3-4C15-9513-FB8E919ED4DC}" type="slidenum">
+            <a:fld id="{D6E79394-8F86-4F9E-95AF-DC88B52ACBE1}" type="slidenum">
               <a:rPr lang="zh-CN" altLang="en-US" smtClean="0"/>
               <a:t>‹#›</a:t>
             </a:fld>
@@ -1196,7 +1196,7 @@
     </p:spTree>
     <p:extLst>
       <p:ext uri="{BB962C8B-B14F-4D97-AF65-F5344CB8AC3E}">
-        <p14:creationId xmlns:p14="http://schemas.microsoft.com/office/powerpoint/2010/main" val="3173141894"/>
+        <p14:creationId xmlns:p14="http://schemas.microsoft.com/office/powerpoint/2010/main" val="2971567165"/>
       </p:ext>
     </p:extLst>
   </p:cSld>
@@ -1228,7 +1228,7 @@
           <p:cNvPr id="2" name="标题 1">
             <a:extLst>
               <a:ext uri="{FF2B5EF4-FFF2-40B4-BE49-F238E27FC236}">
-                <a16:creationId xmlns:a16="http://schemas.microsoft.com/office/drawing/2014/main" id="{D5D1B8D8-7297-7999-D705-99DFF48F8675}"/>
+                <a16:creationId xmlns:a16="http://schemas.microsoft.com/office/drawing/2014/main" id="{3B79F5EF-BDBD-4AF8-E133-A243E58126E0}"/>
               </a:ext>
             </a:extLst>
           </p:cNvPr>
@@ -1256,7 +1256,7 @@
           <p:cNvPr id="3" name="内容占位符 2">
             <a:extLst>
               <a:ext uri="{FF2B5EF4-FFF2-40B4-BE49-F238E27FC236}">
-                <a16:creationId xmlns:a16="http://schemas.microsoft.com/office/drawing/2014/main" id="{DAB3D2F5-A3F5-57B8-F73F-74797CC52AD1}"/>
+                <a16:creationId xmlns:a16="http://schemas.microsoft.com/office/drawing/2014/main" id="{650C7950-E217-D091-C738-99FEEFBABD47}"/>
               </a:ext>
             </a:extLst>
           </p:cNvPr>
@@ -1318,7 +1318,7 @@
           <p:cNvPr id="4" name="内容占位符 3">
             <a:extLst>
               <a:ext uri="{FF2B5EF4-FFF2-40B4-BE49-F238E27FC236}">
-                <a16:creationId xmlns:a16="http://schemas.microsoft.com/office/drawing/2014/main" id="{FEF44F60-43A5-85DF-FD1D-0B0E733769CB}"/>
+                <a16:creationId xmlns:a16="http://schemas.microsoft.com/office/drawing/2014/main" id="{342D616D-FA6B-3607-EA59-9A21E45878CB}"/>
               </a:ext>
             </a:extLst>
           </p:cNvPr>
@@ -1380,7 +1380,7 @@
           <p:cNvPr id="5" name="日期占位符 4">
             <a:extLst>
               <a:ext uri="{FF2B5EF4-FFF2-40B4-BE49-F238E27FC236}">
-                <a16:creationId xmlns:a16="http://schemas.microsoft.com/office/drawing/2014/main" id="{2060BD9A-6238-9695-A563-CBE400113E62}"/>
+                <a16:creationId xmlns:a16="http://schemas.microsoft.com/office/drawing/2014/main" id="{CDAB5027-D766-D020-8E9A-0C0DB8F19208}"/>
               </a:ext>
             </a:extLst>
           </p:cNvPr>
@@ -1396,7 +1396,7 @@
           <a:bodyPr/>
           <a:lstStyle/>
           <a:p>
-            <a:fld id="{6C45204B-F6F8-4AFD-9B7F-A9BF90211A28}" type="datetimeFigureOut">
+            <a:fld id="{2343996D-E61E-4912-AF8E-F720D06C1BE6}" type="datetimeFigureOut">
               <a:rPr lang="zh-CN" altLang="en-US" smtClean="0"/>
               <a:t>2024/3/10</a:t>
             </a:fld>
@@ -1409,7 +1409,7 @@
           <p:cNvPr id="6" name="页脚占位符 5">
             <a:extLst>
               <a:ext uri="{FF2B5EF4-FFF2-40B4-BE49-F238E27FC236}">
-                <a16:creationId xmlns:a16="http://schemas.microsoft.com/office/drawing/2014/main" id="{07C74175-AF0C-6D74-08ED-24332A33566E}"/>
+                <a16:creationId xmlns:a16="http://schemas.microsoft.com/office/drawing/2014/main" id="{F4656853-040D-F4E6-5646-D33BF0351BEC}"/>
               </a:ext>
             </a:extLst>
           </p:cNvPr>
@@ -1434,7 +1434,7 @@
           <p:cNvPr id="7" name="灯片编号占位符 6">
             <a:extLst>
               <a:ext uri="{FF2B5EF4-FFF2-40B4-BE49-F238E27FC236}">
-                <a16:creationId xmlns:a16="http://schemas.microsoft.com/office/drawing/2014/main" id="{A2F770FE-0011-8BFF-1750-2AEB6DE5C913}"/>
+                <a16:creationId xmlns:a16="http://schemas.microsoft.com/office/drawing/2014/main" id="{5D868B2B-6615-9F6E-9323-895E307BE40E}"/>
               </a:ext>
             </a:extLst>
           </p:cNvPr>
@@ -1450,7 +1450,7 @@
           <a:bodyPr/>
           <a:lstStyle/>
           <a:p>
-            <a:fld id="{E4AB64BA-A1D3-4C15-9513-FB8E919ED4DC}" type="slidenum">
+            <a:fld id="{D6E79394-8F86-4F9E-95AF-DC88B52ACBE1}" type="slidenum">
               <a:rPr lang="zh-CN" altLang="en-US" smtClean="0"/>
               <a:t>‹#›</a:t>
             </a:fld>
@@ -1461,7 +1461,7 @@
     </p:spTree>
     <p:extLst>
       <p:ext uri="{BB962C8B-B14F-4D97-AF65-F5344CB8AC3E}">
-        <p14:creationId xmlns:p14="http://schemas.microsoft.com/office/powerpoint/2010/main" val="3395131080"/>
+        <p14:creationId xmlns:p14="http://schemas.microsoft.com/office/powerpoint/2010/main" val="2734694395"/>
       </p:ext>
     </p:extLst>
   </p:cSld>
@@ -1493,7 +1493,7 @@
           <p:cNvPr id="2" name="标题 1">
             <a:extLst>
               <a:ext uri="{FF2B5EF4-FFF2-40B4-BE49-F238E27FC236}">
-                <a16:creationId xmlns:a16="http://schemas.microsoft.com/office/drawing/2014/main" id="{4997EB60-A8DB-97A2-A102-FA64D1DD76D9}"/>
+                <a16:creationId xmlns:a16="http://schemas.microsoft.com/office/drawing/2014/main" id="{45E2F30A-011E-C4DD-E919-6D655FFA7BDE}"/>
               </a:ext>
             </a:extLst>
           </p:cNvPr>
@@ -1526,7 +1526,7 @@
           <p:cNvPr id="3" name="文本占位符 2">
             <a:extLst>
               <a:ext uri="{FF2B5EF4-FFF2-40B4-BE49-F238E27FC236}">
-                <a16:creationId xmlns:a16="http://schemas.microsoft.com/office/drawing/2014/main" id="{36D3CB3B-9795-D51F-C9E9-E61B93BD381C}"/>
+                <a16:creationId xmlns:a16="http://schemas.microsoft.com/office/drawing/2014/main" id="{E4C2146E-92FB-D9BD-CEB8-6E628F280809}"/>
               </a:ext>
             </a:extLst>
           </p:cNvPr>
@@ -1597,7 +1597,7 @@
           <p:cNvPr id="4" name="内容占位符 3">
             <a:extLst>
               <a:ext uri="{FF2B5EF4-FFF2-40B4-BE49-F238E27FC236}">
-                <a16:creationId xmlns:a16="http://schemas.microsoft.com/office/drawing/2014/main" id="{81E0C2C2-420A-9B6A-8713-35FF9102BC8D}"/>
+                <a16:creationId xmlns:a16="http://schemas.microsoft.com/office/drawing/2014/main" id="{403CFB19-0179-3BAE-2F85-9FCAFF6B4A50}"/>
               </a:ext>
             </a:extLst>
           </p:cNvPr>
@@ -1659,7 +1659,7 @@
           <p:cNvPr id="5" name="文本占位符 4">
             <a:extLst>
               <a:ext uri="{FF2B5EF4-FFF2-40B4-BE49-F238E27FC236}">
-                <a16:creationId xmlns:a16="http://schemas.microsoft.com/office/drawing/2014/main" id="{A0A27C60-1AF1-7F1A-54A7-55EF698439B1}"/>
+                <a16:creationId xmlns:a16="http://schemas.microsoft.com/office/drawing/2014/main" id="{88BEF59D-DD58-8F0F-F113-BDBD2A74DD66}"/>
               </a:ext>
             </a:extLst>
           </p:cNvPr>
@@ -1730,7 +1730,7 @@
           <p:cNvPr id="6" name="内容占位符 5">
             <a:extLst>
               <a:ext uri="{FF2B5EF4-FFF2-40B4-BE49-F238E27FC236}">
-                <a16:creationId xmlns:a16="http://schemas.microsoft.com/office/drawing/2014/main" id="{A2890D6D-9E0C-6958-A134-FAE44847D0E7}"/>
+                <a16:creationId xmlns:a16="http://schemas.microsoft.com/office/drawing/2014/main" id="{9538C5F5-E3BE-551D-ECE7-873214CAAF98}"/>
               </a:ext>
             </a:extLst>
           </p:cNvPr>
@@ -1792,7 +1792,7 @@
           <p:cNvPr id="7" name="日期占位符 6">
             <a:extLst>
               <a:ext uri="{FF2B5EF4-FFF2-40B4-BE49-F238E27FC236}">
-                <a16:creationId xmlns:a16="http://schemas.microsoft.com/office/drawing/2014/main" id="{67BF8963-EC7B-955D-4741-99AC31613D2F}"/>
+                <a16:creationId xmlns:a16="http://schemas.microsoft.com/office/drawing/2014/main" id="{E05EB074-EDB4-398B-E6FB-316BEB9C9606}"/>
               </a:ext>
             </a:extLst>
           </p:cNvPr>
@@ -1808,7 +1808,7 @@
           <a:bodyPr/>
           <a:lstStyle/>
           <a:p>
-            <a:fld id="{6C45204B-F6F8-4AFD-9B7F-A9BF90211A28}" type="datetimeFigureOut">
+            <a:fld id="{2343996D-E61E-4912-AF8E-F720D06C1BE6}" type="datetimeFigureOut">
               <a:rPr lang="zh-CN" altLang="en-US" smtClean="0"/>
               <a:t>2024/3/10</a:t>
             </a:fld>
@@ -1821,7 +1821,7 @@
           <p:cNvPr id="8" name="页脚占位符 7">
             <a:extLst>
               <a:ext uri="{FF2B5EF4-FFF2-40B4-BE49-F238E27FC236}">
-                <a16:creationId xmlns:a16="http://schemas.microsoft.com/office/drawing/2014/main" id="{FD20A13D-2A83-D766-CDCD-174CC8815663}"/>
+                <a16:creationId xmlns:a16="http://schemas.microsoft.com/office/drawing/2014/main" id="{CB857677-E6A4-5932-F790-6D674FDFD4C5}"/>
               </a:ext>
             </a:extLst>
           </p:cNvPr>
@@ -1846,7 +1846,7 @@
           <p:cNvPr id="9" name="灯片编号占位符 8">
             <a:extLst>
               <a:ext uri="{FF2B5EF4-FFF2-40B4-BE49-F238E27FC236}">
-                <a16:creationId xmlns:a16="http://schemas.microsoft.com/office/drawing/2014/main" id="{6B7CA4B9-7A81-0946-4FBE-3EBF4B76D64C}"/>
+                <a16:creationId xmlns:a16="http://schemas.microsoft.com/office/drawing/2014/main" id="{6093E167-27AF-0594-1412-8FDFDA953861}"/>
               </a:ext>
             </a:extLst>
           </p:cNvPr>
@@ -1862,7 +1862,7 @@
           <a:bodyPr/>
           <a:lstStyle/>
           <a:p>
-            <a:fld id="{E4AB64BA-A1D3-4C15-9513-FB8E919ED4DC}" type="slidenum">
+            <a:fld id="{D6E79394-8F86-4F9E-95AF-DC88B52ACBE1}" type="slidenum">
               <a:rPr lang="zh-CN" altLang="en-US" smtClean="0"/>
               <a:t>‹#›</a:t>
             </a:fld>
@@ -1873,7 +1873,7 @@
     </p:spTree>
     <p:extLst>
       <p:ext uri="{BB962C8B-B14F-4D97-AF65-F5344CB8AC3E}">
-        <p14:creationId xmlns:p14="http://schemas.microsoft.com/office/powerpoint/2010/main" val="395341589"/>
+        <p14:creationId xmlns:p14="http://schemas.microsoft.com/office/powerpoint/2010/main" val="2225935382"/>
       </p:ext>
     </p:extLst>
   </p:cSld>
@@ -1905,7 +1905,7 @@
           <p:cNvPr id="2" name="标题 1">
             <a:extLst>
               <a:ext uri="{FF2B5EF4-FFF2-40B4-BE49-F238E27FC236}">
-                <a16:creationId xmlns:a16="http://schemas.microsoft.com/office/drawing/2014/main" id="{FF3DE7F2-8AEB-A523-D9B1-1371491F2940}"/>
+                <a16:creationId xmlns:a16="http://schemas.microsoft.com/office/drawing/2014/main" id="{584583F1-0724-4B8F-D2F7-DD9CE97B80C6}"/>
               </a:ext>
             </a:extLst>
           </p:cNvPr>
@@ -1933,7 +1933,7 @@
           <p:cNvPr id="3" name="日期占位符 2">
             <a:extLst>
               <a:ext uri="{FF2B5EF4-FFF2-40B4-BE49-F238E27FC236}">
-                <a16:creationId xmlns:a16="http://schemas.microsoft.com/office/drawing/2014/main" id="{DA757E1E-73ED-17E5-DB1C-AA5428161C80}"/>
+                <a16:creationId xmlns:a16="http://schemas.microsoft.com/office/drawing/2014/main" id="{20814CC2-DB79-8C6C-055D-741C92BC05DD}"/>
               </a:ext>
             </a:extLst>
           </p:cNvPr>
@@ -1949,7 +1949,7 @@
           <a:bodyPr/>
           <a:lstStyle/>
           <a:p>
-            <a:fld id="{6C45204B-F6F8-4AFD-9B7F-A9BF90211A28}" type="datetimeFigureOut">
+            <a:fld id="{2343996D-E61E-4912-AF8E-F720D06C1BE6}" type="datetimeFigureOut">
               <a:rPr lang="zh-CN" altLang="en-US" smtClean="0"/>
               <a:t>2024/3/10</a:t>
             </a:fld>
@@ -1962,7 +1962,7 @@
           <p:cNvPr id="4" name="页脚占位符 3">
             <a:extLst>
               <a:ext uri="{FF2B5EF4-FFF2-40B4-BE49-F238E27FC236}">
-                <a16:creationId xmlns:a16="http://schemas.microsoft.com/office/drawing/2014/main" id="{7B688725-959B-4FEC-EA79-CA84451775F5}"/>
+                <a16:creationId xmlns:a16="http://schemas.microsoft.com/office/drawing/2014/main" id="{898EFA11-B172-5C21-1A48-58109C5F6110}"/>
               </a:ext>
             </a:extLst>
           </p:cNvPr>
@@ -1987,7 +1987,7 @@
           <p:cNvPr id="5" name="灯片编号占位符 4">
             <a:extLst>
               <a:ext uri="{FF2B5EF4-FFF2-40B4-BE49-F238E27FC236}">
-                <a16:creationId xmlns:a16="http://schemas.microsoft.com/office/drawing/2014/main" id="{1DE55C3A-219E-7FB9-1EEA-CF68020A4F34}"/>
+                <a16:creationId xmlns:a16="http://schemas.microsoft.com/office/drawing/2014/main" id="{AB40163D-68B0-4B09-DD32-F3972440C996}"/>
               </a:ext>
             </a:extLst>
           </p:cNvPr>
@@ -2003,7 +2003,7 @@
           <a:bodyPr/>
           <a:lstStyle/>
           <a:p>
-            <a:fld id="{E4AB64BA-A1D3-4C15-9513-FB8E919ED4DC}" type="slidenum">
+            <a:fld id="{D6E79394-8F86-4F9E-95AF-DC88B52ACBE1}" type="slidenum">
               <a:rPr lang="zh-CN" altLang="en-US" smtClean="0"/>
               <a:t>‹#›</a:t>
             </a:fld>
@@ -2014,7 +2014,7 @@
     </p:spTree>
     <p:extLst>
       <p:ext uri="{BB962C8B-B14F-4D97-AF65-F5344CB8AC3E}">
-        <p14:creationId xmlns:p14="http://schemas.microsoft.com/office/powerpoint/2010/main" val="3338919682"/>
+        <p14:creationId xmlns:p14="http://schemas.microsoft.com/office/powerpoint/2010/main" val="2198301763"/>
       </p:ext>
     </p:extLst>
   </p:cSld>
@@ -2046,7 +2046,7 @@
           <p:cNvPr id="2" name="日期占位符 1">
             <a:extLst>
               <a:ext uri="{FF2B5EF4-FFF2-40B4-BE49-F238E27FC236}">
-                <a16:creationId xmlns:a16="http://schemas.microsoft.com/office/drawing/2014/main" id="{0618A4E8-99BA-7997-0934-C54533470938}"/>
+                <a16:creationId xmlns:a16="http://schemas.microsoft.com/office/drawing/2014/main" id="{928AE92E-C26F-4663-F81B-F33130A5E956}"/>
               </a:ext>
             </a:extLst>
           </p:cNvPr>
@@ -2062,7 +2062,7 @@
           <a:bodyPr/>
           <a:lstStyle/>
           <a:p>
-            <a:fld id="{6C45204B-F6F8-4AFD-9B7F-A9BF90211A28}" type="datetimeFigureOut">
+            <a:fld id="{2343996D-E61E-4912-AF8E-F720D06C1BE6}" type="datetimeFigureOut">
               <a:rPr lang="zh-CN" altLang="en-US" smtClean="0"/>
               <a:t>2024/3/10</a:t>
             </a:fld>
@@ -2075,7 +2075,7 @@
           <p:cNvPr id="3" name="页脚占位符 2">
             <a:extLst>
               <a:ext uri="{FF2B5EF4-FFF2-40B4-BE49-F238E27FC236}">
-                <a16:creationId xmlns:a16="http://schemas.microsoft.com/office/drawing/2014/main" id="{09CE9287-EE0C-3743-AFDB-91376004615A}"/>
+                <a16:creationId xmlns:a16="http://schemas.microsoft.com/office/drawing/2014/main" id="{649944C8-A18A-DE07-DC34-14A8F2E4C81E}"/>
               </a:ext>
             </a:extLst>
           </p:cNvPr>
@@ -2100,7 +2100,7 @@
           <p:cNvPr id="4" name="灯片编号占位符 3">
             <a:extLst>
               <a:ext uri="{FF2B5EF4-FFF2-40B4-BE49-F238E27FC236}">
-                <a16:creationId xmlns:a16="http://schemas.microsoft.com/office/drawing/2014/main" id="{6075BFE5-818F-7D12-55FA-9CFE2A731627}"/>
+                <a16:creationId xmlns:a16="http://schemas.microsoft.com/office/drawing/2014/main" id="{38A3C043-989D-5C70-F06A-E8FC3D937052}"/>
               </a:ext>
             </a:extLst>
           </p:cNvPr>
@@ -2116,7 +2116,7 @@
           <a:bodyPr/>
           <a:lstStyle/>
           <a:p>
-            <a:fld id="{E4AB64BA-A1D3-4C15-9513-FB8E919ED4DC}" type="slidenum">
+            <a:fld id="{D6E79394-8F86-4F9E-95AF-DC88B52ACBE1}" type="slidenum">
               <a:rPr lang="zh-CN" altLang="en-US" smtClean="0"/>
               <a:t>‹#›</a:t>
             </a:fld>
@@ -2127,7 +2127,7 @@
     </p:spTree>
     <p:extLst>
       <p:ext uri="{BB962C8B-B14F-4D97-AF65-F5344CB8AC3E}">
-        <p14:creationId xmlns:p14="http://schemas.microsoft.com/office/powerpoint/2010/main" val="2473786801"/>
+        <p14:creationId xmlns:p14="http://schemas.microsoft.com/office/powerpoint/2010/main" val="1391847689"/>
       </p:ext>
     </p:extLst>
   </p:cSld>
@@ -2159,7 +2159,7 @@
           <p:cNvPr id="2" name="标题 1">
             <a:extLst>
               <a:ext uri="{FF2B5EF4-FFF2-40B4-BE49-F238E27FC236}">
-                <a16:creationId xmlns:a16="http://schemas.microsoft.com/office/drawing/2014/main" id="{93C7A125-CB68-2E46-8225-F87BCABA286E}"/>
+                <a16:creationId xmlns:a16="http://schemas.microsoft.com/office/drawing/2014/main" id="{9C943414-E2CA-4326-EF95-F80FF7278684}"/>
               </a:ext>
             </a:extLst>
           </p:cNvPr>
@@ -2196,7 +2196,7 @@
           <p:cNvPr id="3" name="内容占位符 2">
             <a:extLst>
               <a:ext uri="{FF2B5EF4-FFF2-40B4-BE49-F238E27FC236}">
-                <a16:creationId xmlns:a16="http://schemas.microsoft.com/office/drawing/2014/main" id="{EA552F47-BCB0-01DE-6CC9-AE91CB4E984D}"/>
+                <a16:creationId xmlns:a16="http://schemas.microsoft.com/office/drawing/2014/main" id="{4CAFFE2F-69F5-BB4F-50AC-2231129D68CE}"/>
               </a:ext>
             </a:extLst>
           </p:cNvPr>
@@ -2286,7 +2286,7 @@
           <p:cNvPr id="4" name="文本占位符 3">
             <a:extLst>
               <a:ext uri="{FF2B5EF4-FFF2-40B4-BE49-F238E27FC236}">
-                <a16:creationId xmlns:a16="http://schemas.microsoft.com/office/drawing/2014/main" id="{AC481678-751A-2CE2-6BCC-6B549500854F}"/>
+                <a16:creationId xmlns:a16="http://schemas.microsoft.com/office/drawing/2014/main" id="{DB0FE923-FC96-31AB-C919-FDFD395FA73A}"/>
               </a:ext>
             </a:extLst>
           </p:cNvPr>
@@ -2357,7 +2357,7 @@
           <p:cNvPr id="5" name="日期占位符 4">
             <a:extLst>
               <a:ext uri="{FF2B5EF4-FFF2-40B4-BE49-F238E27FC236}">
-                <a16:creationId xmlns:a16="http://schemas.microsoft.com/office/drawing/2014/main" id="{6084CFBE-F757-3960-4806-5AB5D0F63D24}"/>
+                <a16:creationId xmlns:a16="http://schemas.microsoft.com/office/drawing/2014/main" id="{7546FCF6-28D7-9B34-3A09-7C2223A488D2}"/>
               </a:ext>
             </a:extLst>
           </p:cNvPr>
@@ -2373,7 +2373,7 @@
           <a:bodyPr/>
           <a:lstStyle/>
           <a:p>
-            <a:fld id="{6C45204B-F6F8-4AFD-9B7F-A9BF90211A28}" type="datetimeFigureOut">
+            <a:fld id="{2343996D-E61E-4912-AF8E-F720D06C1BE6}" type="datetimeFigureOut">
               <a:rPr lang="zh-CN" altLang="en-US" smtClean="0"/>
               <a:t>2024/3/10</a:t>
             </a:fld>
@@ -2386,7 +2386,7 @@
           <p:cNvPr id="6" name="页脚占位符 5">
             <a:extLst>
               <a:ext uri="{FF2B5EF4-FFF2-40B4-BE49-F238E27FC236}">
-                <a16:creationId xmlns:a16="http://schemas.microsoft.com/office/drawing/2014/main" id="{C07AB710-8FC6-31EB-7B21-CC09AC912C3A}"/>
+                <a16:creationId xmlns:a16="http://schemas.microsoft.com/office/drawing/2014/main" id="{A60C4EF6-C43E-F2BC-DBD3-7EFD50A9E8C7}"/>
               </a:ext>
             </a:extLst>
           </p:cNvPr>
@@ -2411,7 +2411,7 @@
           <p:cNvPr id="7" name="灯片编号占位符 6">
             <a:extLst>
               <a:ext uri="{FF2B5EF4-FFF2-40B4-BE49-F238E27FC236}">
-                <a16:creationId xmlns:a16="http://schemas.microsoft.com/office/drawing/2014/main" id="{20956F5D-55F8-A768-299F-927244F46B64}"/>
+                <a16:creationId xmlns:a16="http://schemas.microsoft.com/office/drawing/2014/main" id="{0F5BBD17-7AD6-0842-0985-48EA88545FC8}"/>
               </a:ext>
             </a:extLst>
           </p:cNvPr>
@@ -2427,7 +2427,7 @@
           <a:bodyPr/>
           <a:lstStyle/>
           <a:p>
-            <a:fld id="{E4AB64BA-A1D3-4C15-9513-FB8E919ED4DC}" type="slidenum">
+            <a:fld id="{D6E79394-8F86-4F9E-95AF-DC88B52ACBE1}" type="slidenum">
               <a:rPr lang="zh-CN" altLang="en-US" smtClean="0"/>
               <a:t>‹#›</a:t>
             </a:fld>
@@ -2438,7 +2438,7 @@
     </p:spTree>
     <p:extLst>
       <p:ext uri="{BB962C8B-B14F-4D97-AF65-F5344CB8AC3E}">
-        <p14:creationId xmlns:p14="http://schemas.microsoft.com/office/powerpoint/2010/main" val="1784198474"/>
+        <p14:creationId xmlns:p14="http://schemas.microsoft.com/office/powerpoint/2010/main" val="4118211377"/>
       </p:ext>
     </p:extLst>
   </p:cSld>
@@ -2470,7 +2470,7 @@
           <p:cNvPr id="2" name="标题 1">
             <a:extLst>
               <a:ext uri="{FF2B5EF4-FFF2-40B4-BE49-F238E27FC236}">
-                <a16:creationId xmlns:a16="http://schemas.microsoft.com/office/drawing/2014/main" id="{41001D65-2DCD-D287-16F6-6CCE7FF06C8A}"/>
+                <a16:creationId xmlns:a16="http://schemas.microsoft.com/office/drawing/2014/main" id="{4D6E5003-9E46-E0A0-B87A-F05D3772F617}"/>
               </a:ext>
             </a:extLst>
           </p:cNvPr>
@@ -2507,7 +2507,7 @@
           <p:cNvPr id="3" name="图片占位符 2">
             <a:extLst>
               <a:ext uri="{FF2B5EF4-FFF2-40B4-BE49-F238E27FC236}">
-                <a16:creationId xmlns:a16="http://schemas.microsoft.com/office/drawing/2014/main" id="{7C6946D4-E114-D15C-E10C-98F9F310A844}"/>
+                <a16:creationId xmlns:a16="http://schemas.microsoft.com/office/drawing/2014/main" id="{C1031DD9-FC2A-F11B-616B-F4AA55DA4407}"/>
               </a:ext>
             </a:extLst>
           </p:cNvPr>
@@ -2574,7 +2574,7 @@
           <p:cNvPr id="4" name="文本占位符 3">
             <a:extLst>
               <a:ext uri="{FF2B5EF4-FFF2-40B4-BE49-F238E27FC236}">
-                <a16:creationId xmlns:a16="http://schemas.microsoft.com/office/drawing/2014/main" id="{A5AEFEEE-BD14-3416-506D-0D20D91EFFD2}"/>
+                <a16:creationId xmlns:a16="http://schemas.microsoft.com/office/drawing/2014/main" id="{F6C17E7F-3D46-518B-AD68-93041CDF028E}"/>
               </a:ext>
             </a:extLst>
           </p:cNvPr>
@@ -2645,7 +2645,7 @@
           <p:cNvPr id="5" name="日期占位符 4">
             <a:extLst>
               <a:ext uri="{FF2B5EF4-FFF2-40B4-BE49-F238E27FC236}">
-                <a16:creationId xmlns:a16="http://schemas.microsoft.com/office/drawing/2014/main" id="{57AB0C31-B4CE-111B-5604-04A559A9D1F0}"/>
+                <a16:creationId xmlns:a16="http://schemas.microsoft.com/office/drawing/2014/main" id="{67AB13B6-025A-ED34-5D20-4565605E113A}"/>
               </a:ext>
             </a:extLst>
           </p:cNvPr>
@@ -2661,7 +2661,7 @@
           <a:bodyPr/>
           <a:lstStyle/>
           <a:p>
-            <a:fld id="{6C45204B-F6F8-4AFD-9B7F-A9BF90211A28}" type="datetimeFigureOut">
+            <a:fld id="{2343996D-E61E-4912-AF8E-F720D06C1BE6}" type="datetimeFigureOut">
               <a:rPr lang="zh-CN" altLang="en-US" smtClean="0"/>
               <a:t>2024/3/10</a:t>
             </a:fld>
@@ -2674,7 +2674,7 @@
           <p:cNvPr id="6" name="页脚占位符 5">
             <a:extLst>
               <a:ext uri="{FF2B5EF4-FFF2-40B4-BE49-F238E27FC236}">
-                <a16:creationId xmlns:a16="http://schemas.microsoft.com/office/drawing/2014/main" id="{D1EA5CBF-EA4D-ED95-A97B-AB0478CF2C98}"/>
+                <a16:creationId xmlns:a16="http://schemas.microsoft.com/office/drawing/2014/main" id="{E4B7F241-C5C5-DC5B-0F00-7D66F3FB1038}"/>
               </a:ext>
             </a:extLst>
           </p:cNvPr>
@@ -2699,7 +2699,7 @@
           <p:cNvPr id="7" name="灯片编号占位符 6">
             <a:extLst>
               <a:ext uri="{FF2B5EF4-FFF2-40B4-BE49-F238E27FC236}">
-                <a16:creationId xmlns:a16="http://schemas.microsoft.com/office/drawing/2014/main" id="{D1772D6C-4F55-D8AD-FAC1-A61B7F175C19}"/>
+                <a16:creationId xmlns:a16="http://schemas.microsoft.com/office/drawing/2014/main" id="{BB0E1700-A56F-23DD-3AAE-D3C673933301}"/>
               </a:ext>
             </a:extLst>
           </p:cNvPr>
@@ -2715,7 +2715,7 @@
           <a:bodyPr/>
           <a:lstStyle/>
           <a:p>
-            <a:fld id="{E4AB64BA-A1D3-4C15-9513-FB8E919ED4DC}" type="slidenum">
+            <a:fld id="{D6E79394-8F86-4F9E-95AF-DC88B52ACBE1}" type="slidenum">
               <a:rPr lang="zh-CN" altLang="en-US" smtClean="0"/>
               <a:t>‹#›</a:t>
             </a:fld>
@@ -2726,7 +2726,7 @@
     </p:spTree>
     <p:extLst>
       <p:ext uri="{BB962C8B-B14F-4D97-AF65-F5344CB8AC3E}">
-        <p14:creationId xmlns:p14="http://schemas.microsoft.com/office/powerpoint/2010/main" val="2056415011"/>
+        <p14:creationId xmlns:p14="http://schemas.microsoft.com/office/powerpoint/2010/main" val="363753692"/>
       </p:ext>
     </p:extLst>
   </p:cSld>
@@ -2763,7 +2763,7 @@
           <p:cNvPr id="2" name="标题占位符 1">
             <a:extLst>
               <a:ext uri="{FF2B5EF4-FFF2-40B4-BE49-F238E27FC236}">
-                <a16:creationId xmlns:a16="http://schemas.microsoft.com/office/drawing/2014/main" id="{690815EA-6E29-2F6A-C09F-7447DC6E9B02}"/>
+                <a16:creationId xmlns:a16="http://schemas.microsoft.com/office/drawing/2014/main" id="{4DD055FC-EDD7-2D37-8A68-53CD89C566BF}"/>
               </a:ext>
             </a:extLst>
           </p:cNvPr>
@@ -2801,7 +2801,7 @@
           <p:cNvPr id="3" name="文本占位符 2">
             <a:extLst>
               <a:ext uri="{FF2B5EF4-FFF2-40B4-BE49-F238E27FC236}">
-                <a16:creationId xmlns:a16="http://schemas.microsoft.com/office/drawing/2014/main" id="{69D3B4DD-7485-8CE7-4D0A-F10F8EA0A18D}"/>
+                <a16:creationId xmlns:a16="http://schemas.microsoft.com/office/drawing/2014/main" id="{1E9E37E3-51F9-7A5E-1F21-2C997976179A}"/>
               </a:ext>
             </a:extLst>
           </p:cNvPr>
@@ -2868,7 +2868,7 @@
           <p:cNvPr id="4" name="日期占位符 3">
             <a:extLst>
               <a:ext uri="{FF2B5EF4-FFF2-40B4-BE49-F238E27FC236}">
-                <a16:creationId xmlns:a16="http://schemas.microsoft.com/office/drawing/2014/main" id="{DD2D61AB-99DC-AE5D-5CD8-274B659C2B13}"/>
+                <a16:creationId xmlns:a16="http://schemas.microsoft.com/office/drawing/2014/main" id="{65C6ABB5-7492-D8A2-7D5A-B6B9B8C26CFD}"/>
               </a:ext>
             </a:extLst>
           </p:cNvPr>
@@ -2902,7 +2902,7 @@
             </a:lvl1pPr>
           </a:lstStyle>
           <a:p>
-            <a:fld id="{6C45204B-F6F8-4AFD-9B7F-A9BF90211A28}" type="datetimeFigureOut">
+            <a:fld id="{2343996D-E61E-4912-AF8E-F720D06C1BE6}" type="datetimeFigureOut">
               <a:rPr lang="zh-CN" altLang="en-US" smtClean="0"/>
               <a:t>2024/3/10</a:t>
             </a:fld>
@@ -2915,7 +2915,7 @@
           <p:cNvPr id="5" name="页脚占位符 4">
             <a:extLst>
               <a:ext uri="{FF2B5EF4-FFF2-40B4-BE49-F238E27FC236}">
-                <a16:creationId xmlns:a16="http://schemas.microsoft.com/office/drawing/2014/main" id="{96A8E0DA-B42D-A89C-EEFD-04B4A1FA7C35}"/>
+                <a16:creationId xmlns:a16="http://schemas.microsoft.com/office/drawing/2014/main" id="{F184A31C-DDB0-05B0-7F25-F38D122BD014}"/>
               </a:ext>
             </a:extLst>
           </p:cNvPr>
@@ -2958,7 +2958,7 @@
           <p:cNvPr id="6" name="灯片编号占位符 5">
             <a:extLst>
               <a:ext uri="{FF2B5EF4-FFF2-40B4-BE49-F238E27FC236}">
-                <a16:creationId xmlns:a16="http://schemas.microsoft.com/office/drawing/2014/main" id="{FAF7C11E-BB0A-4C47-AB94-58BB953F158B}"/>
+                <a16:creationId xmlns:a16="http://schemas.microsoft.com/office/drawing/2014/main" id="{466100C3-E80C-26F0-E9BD-773D05F7BDFC}"/>
               </a:ext>
             </a:extLst>
           </p:cNvPr>
@@ -2992,7 +2992,7 @@
             </a:lvl1pPr>
           </a:lstStyle>
           <a:p>
-            <a:fld id="{E4AB64BA-A1D3-4C15-9513-FB8E919ED4DC}" type="slidenum">
+            <a:fld id="{D6E79394-8F86-4F9E-95AF-DC88B52ACBE1}" type="slidenum">
               <a:rPr lang="zh-CN" altLang="en-US" smtClean="0"/>
               <a:t>‹#›</a:t>
             </a:fld>
@@ -3003,7 +3003,7 @@
     </p:spTree>
     <p:extLst>
       <p:ext uri="{BB962C8B-B14F-4D97-AF65-F5344CB8AC3E}">
-        <p14:creationId xmlns:p14="http://schemas.microsoft.com/office/powerpoint/2010/main" val="844448353"/>
+        <p14:creationId xmlns:p14="http://schemas.microsoft.com/office/powerpoint/2010/main" val="302414562"/>
       </p:ext>
     </p:extLst>
   </p:cSld>
@@ -3323,7 +3323,7 @@
       </p:grpSpPr>
       <p:pic>
         <p:nvPicPr>
-          <p:cNvPr id="1210370" name="Picture 2" descr="1181"/>
+          <p:cNvPr id="1211394" name="Picture 2" descr="1182"/>
           <p:cNvPicPr>
             <a:picLocks noChangeAspect="1" noChangeArrowheads="1"/>
           </p:cNvPicPr>
@@ -3344,8 +3344,8 @@
         </p:blipFill>
         <p:spPr bwMode="auto">
           <a:xfrm>
-            <a:off x="1495426" y="1"/>
-            <a:ext cx="9172575" cy="6899275"/>
+            <a:off x="1524000" y="0"/>
+            <a:ext cx="9144000" cy="6859588"/>
           </a:xfrm>
           <a:prstGeom prst="rect">
             <a:avLst/>
@@ -3375,158 +3375,11 @@
           </a:extLst>
         </p:spPr>
       </p:pic>
-      <p:pic>
-        <p:nvPicPr>
-          <p:cNvPr id="1211395" name="Picture 3" descr="1181-2"/>
-          <p:cNvPicPr>
-            <a:picLocks noChangeAspect="1" noChangeArrowheads="1"/>
-          </p:cNvPicPr>
-          <p:nvPr/>
-        </p:nvPicPr>
-        <p:blipFill>
-          <a:blip r:embed="rId3">
-            <a:extLst>
-              <a:ext uri="{28A0092B-C50C-407E-A947-70E740481C1C}">
-                <a14:useLocalDpi xmlns:a14="http://schemas.microsoft.com/office/drawing/2010/main" val="0"/>
-              </a:ext>
-            </a:extLst>
-          </a:blip>
-          <a:srcRect/>
-          <a:stretch>
-            <a:fillRect/>
-          </a:stretch>
-        </p:blipFill>
-        <p:spPr bwMode="auto">
-          <a:xfrm>
-            <a:off x="1524000" y="1"/>
-            <a:ext cx="9144000" cy="6958013"/>
-          </a:xfrm>
-          <a:prstGeom prst="rect">
-            <a:avLst/>
-          </a:prstGeom>
-          <a:noFill/>
-          <a:ln>
-            <a:noFill/>
-          </a:ln>
-          <a:effectLst/>
-          <a:extLst>
-            <a:ext uri="{909E8E84-426E-40DD-AFC4-6F175D3DCCD1}">
-              <a14:hiddenFill xmlns:a14="http://schemas.microsoft.com/office/drawing/2010/main">
-                <a:solidFill>
-                  <a:srgbClr val="FFFFFF"/>
-                </a:solidFill>
-              </a14:hiddenFill>
-            </a:ext>
-            <a:ext uri="{91240B29-F687-4F45-9708-019B960494DF}">
-              <a14:hiddenLine xmlns:a14="http://schemas.microsoft.com/office/drawing/2010/main" w="9525">
-                <a:solidFill>
-                  <a:srgbClr val="000000"/>
-                </a:solidFill>
-                <a:miter lim="800000"/>
-                <a:headEnd/>
-                <a:tailEnd/>
-              </a14:hiddenLine>
-            </a:ext>
-            <a:ext uri="{AF507438-7753-43E0-B8FC-AC1667EBCBE1}">
-              <a14:hiddenEffects xmlns:a14="http://schemas.microsoft.com/office/drawing/2010/main">
-                <a:effectLst>
-                  <a:outerShdw dist="35921" dir="2700000" algn="ctr" rotWithShape="0">
-                    <a:srgbClr val="808080"/>
-                  </a:outerShdw>
-                </a:effectLst>
-              </a14:hiddenEffects>
-            </a:ext>
-          </a:extLst>
-        </p:spPr>
-      </p:pic>
     </p:spTree>
   </p:cSld>
   <p:clrMapOvr>
     <a:masterClrMapping/>
   </p:clrMapOvr>
-  <p:timing>
-    <p:tnLst>
-      <p:par>
-        <p:cTn id="1" dur="indefinite" restart="never" nodeType="tmRoot">
-          <p:childTnLst>
-            <p:seq concurrent="1" nextAc="seek">
-              <p:cTn id="2" dur="indefinite" nodeType="mainSeq">
-                <p:childTnLst>
-                  <p:par>
-                    <p:cTn id="3" fill="hold" nodeType="clickPar">
-                      <p:stCondLst>
-                        <p:cond delay="indefinite"/>
-                      </p:stCondLst>
-                      <p:childTnLst>
-                        <p:par>
-                          <p:cTn id="4" fill="hold" nodeType="withGroup">
-                            <p:stCondLst>
-                              <p:cond delay="0"/>
-                            </p:stCondLst>
-                            <p:childTnLst>
-                              <p:par>
-                                <p:cTn id="5" presetID="10" presetClass="entr" presetSubtype="0" fill="hold" nodeType="clickEffect">
-                                  <p:stCondLst>
-                                    <p:cond delay="0"/>
-                                  </p:stCondLst>
-                                  <p:childTnLst>
-                                    <p:set>
-                                      <p:cBhvr>
-                                        <p:cTn id="6" dur="1" fill="hold">
-                                          <p:stCondLst>
-                                            <p:cond delay="0"/>
-                                          </p:stCondLst>
-                                        </p:cTn>
-                                        <p:tgtEl>
-                                          <p:spTgt spid="1211395"/>
-                                        </p:tgtEl>
-                                        <p:attrNameLst>
-                                          <p:attrName>style.visibility</p:attrName>
-                                        </p:attrNameLst>
-                                      </p:cBhvr>
-                                      <p:to>
-                                        <p:strVal val="visible"/>
-                                      </p:to>
-                                    </p:set>
-                                    <p:animEffect transition="in" filter="fade">
-                                      <p:cBhvr>
-                                        <p:cTn id="7" dur="500"/>
-                                        <p:tgtEl>
-                                          <p:spTgt spid="1211395"/>
-                                        </p:tgtEl>
-                                      </p:cBhvr>
-                                    </p:animEffect>
-                                  </p:childTnLst>
-                                </p:cTn>
-                              </p:par>
-                            </p:childTnLst>
-                          </p:cTn>
-                        </p:par>
-                      </p:childTnLst>
-                    </p:cTn>
-                  </p:par>
-                </p:childTnLst>
-              </p:cTn>
-              <p:prevCondLst>
-                <p:cond evt="onPrev" delay="0">
-                  <p:tgtEl>
-                    <p:sldTgt/>
-                  </p:tgtEl>
-                </p:cond>
-              </p:prevCondLst>
-              <p:nextCondLst>
-                <p:cond evt="onNext" delay="0">
-                  <p:tgtEl>
-                    <p:sldTgt/>
-                  </p:tgtEl>
-                </p:cond>
-              </p:nextCondLst>
-            </p:seq>
-          </p:childTnLst>
-        </p:cTn>
-      </p:par>
-    </p:tnLst>
-  </p:timing>
 </p:sld>
 </file>
 
